--- a/Bookify.pptx
+++ b/Bookify.pptx
@@ -10,8 +10,9 @@
     <p:sldId id="258" r:id="rId4"/>
     <p:sldId id="260" r:id="rId5"/>
     <p:sldId id="259" r:id="rId6"/>
-    <p:sldId id="261" r:id="rId7"/>
-    <p:sldId id="262" r:id="rId8"/>
+    <p:sldId id="263" r:id="rId7"/>
+    <p:sldId id="261" r:id="rId8"/>
+    <p:sldId id="262" r:id="rId9"/>
   </p:sldIdLst>
   <p:sldSz cx="12192000" cy="6858000"/>
   <p:notesSz cx="6858000" cy="9144000"/>
@@ -4790,6 +4791,133 @@
           <p:cNvPr id="2" name="Title 1">
             <a:extLst>
               <a:ext uri="{FF2B5EF4-FFF2-40B4-BE49-F238E27FC236}">
+                <a16:creationId xmlns:a16="http://schemas.microsoft.com/office/drawing/2014/main" id="{F5B55AD6-0DF4-4457-8E98-CCFB46B89206}"/>
+              </a:ext>
+            </a:extLst>
+          </p:cNvPr>
+          <p:cNvSpPr>
+            <a:spLocks noGrp="1"/>
+          </p:cNvSpPr>
+          <p:nvPr>
+            <p:ph type="title"/>
+          </p:nvPr>
+        </p:nvSpPr>
+        <p:spPr/>
+        <p:txBody>
+          <a:bodyPr>
+            <a:normAutofit/>
+          </a:bodyPr>
+          <a:lstStyle/>
+          <a:p>
+            <a:r>
+              <a:rPr lang="en-IN" sz="5400" b="1" dirty="0">
+                <a:solidFill>
+                  <a:schemeClr val="accent1">
+                    <a:lumMod val="75000"/>
+                  </a:schemeClr>
+                </a:solidFill>
+              </a:rPr>
+              <a:t>Limitations :</a:t>
+            </a:r>
+            <a:endParaRPr lang="en-IN" sz="5400" dirty="0"/>
+          </a:p>
+        </p:txBody>
+      </p:sp>
+      <p:sp>
+        <p:nvSpPr>
+          <p:cNvPr id="3" name="Content Placeholder 2">
+            <a:extLst>
+              <a:ext uri="{FF2B5EF4-FFF2-40B4-BE49-F238E27FC236}">
+                <a16:creationId xmlns:a16="http://schemas.microsoft.com/office/drawing/2014/main" id="{F6C24FB5-5DA2-4021-9671-3230C5BF0AE5}"/>
+              </a:ext>
+            </a:extLst>
+          </p:cNvPr>
+          <p:cNvSpPr>
+            <a:spLocks noGrp="1"/>
+          </p:cNvSpPr>
+          <p:nvPr>
+            <p:ph idx="1"/>
+          </p:nvPr>
+        </p:nvSpPr>
+        <p:spPr/>
+        <p:txBody>
+          <a:bodyPr/>
+          <a:lstStyle/>
+          <a:p>
+            <a:r>
+              <a:rPr lang="en-IN" dirty="0"/>
+              <a:t>Sometimes text can’t be extracted properly from PDFs having too much images/graphic arts.</a:t>
+            </a:r>
+          </a:p>
+          <a:p>
+            <a:r>
+              <a:rPr lang="en-IN" dirty="0"/>
+              <a:t>Google translation may not be accurate always.</a:t>
+            </a:r>
+          </a:p>
+          <a:p>
+            <a:r>
+              <a:rPr lang="en-IN" dirty="0"/>
+              <a:t>Google text to speech voice sometimes takes breaks between sentences unnecessarily.</a:t>
+            </a:r>
+          </a:p>
+          <a:p>
+            <a:r>
+              <a:rPr lang="en-IN" dirty="0"/>
+              <a:t>The project can’t auto-detect the language of the PDF. Currently, it’s capable of translating English into other languages (</a:t>
+            </a:r>
+            <a:r>
+              <a:rPr lang="en-IN" dirty="0" err="1"/>
+              <a:t>Bengali,Hindi</a:t>
+            </a:r>
+            <a:r>
+              <a:rPr lang="en-IN" dirty="0"/>
+              <a:t>) only.</a:t>
+            </a:r>
+          </a:p>
+          <a:p>
+            <a:pPr marL="0" indent="0">
+              <a:buNone/>
+            </a:pPr>
+            <a:endParaRPr lang="en-IN" dirty="0"/>
+          </a:p>
+        </p:txBody>
+      </p:sp>
+    </p:spTree>
+    <p:extLst>
+      <p:ext uri="{BB962C8B-B14F-4D97-AF65-F5344CB8AC3E}">
+        <p14:creationId xmlns:p14="http://schemas.microsoft.com/office/powerpoint/2010/main" val="3452773130"/>
+      </p:ext>
+    </p:extLst>
+  </p:cSld>
+  <p:clrMapOvr>
+    <a:masterClrMapping/>
+  </p:clrMapOvr>
+</p:sld>
+</file>
+
+<file path=ppt/slides/slide7.xml><?xml version="1.0" encoding="utf-8"?>
+<p:sld xmlns:a="http://schemas.openxmlformats.org/drawingml/2006/main" xmlns:r="http://schemas.openxmlformats.org/officeDocument/2006/relationships" xmlns:p="http://schemas.openxmlformats.org/presentationml/2006/main">
+  <p:cSld>
+    <p:spTree>
+      <p:nvGrpSpPr>
+        <p:cNvPr id="1" name=""/>
+        <p:cNvGrpSpPr/>
+        <p:nvPr/>
+      </p:nvGrpSpPr>
+      <p:grpSpPr>
+        <a:xfrm>
+          <a:off x="0" y="0"/>
+          <a:ext cx="0" cy="0"/>
+          <a:chOff x="0" y="0"/>
+          <a:chExt cx="0" cy="0"/>
+        </a:xfrm>
+      </p:grpSpPr>
+      <p:sp>
+        <p:nvSpPr>
+          <p:cNvPr id="2" name="Title 1">
+            <a:extLst>
+              <a:ext uri="{FF2B5EF4-FFF2-40B4-BE49-F238E27FC236}">
                 <a16:creationId xmlns:a16="http://schemas.microsoft.com/office/drawing/2014/main" id="{B7CED551-92FF-4478-A191-108B59B29C32}"/>
               </a:ext>
             </a:extLst>
@@ -4925,7 +5053,7 @@
 </p:sld>
 </file>
 
-<file path=ppt/slides/slide7.xml><?xml version="1.0" encoding="utf-8"?>
+<file path=ppt/slides/slide8.xml><?xml version="1.0" encoding="utf-8"?>
 <p:sld xmlns:a="http://schemas.openxmlformats.org/drawingml/2006/main" xmlns:r="http://schemas.openxmlformats.org/officeDocument/2006/relationships" xmlns:p="http://schemas.openxmlformats.org/presentationml/2006/main">
   <p:cSld>
     <p:spTree>
